--- a/Pima India Diabetes Analysis-v1.pptx
+++ b/Pima India Diabetes Analysis-v1.pptx
@@ -7,14 +7,13 @@
   <p:sldIdLst>
     <p:sldId id="256" r:id="rId2"/>
     <p:sldId id="257" r:id="rId3"/>
-    <p:sldId id="262" r:id="rId4"/>
-    <p:sldId id="258" r:id="rId5"/>
-    <p:sldId id="259" r:id="rId6"/>
-    <p:sldId id="261" r:id="rId7"/>
-    <p:sldId id="260" r:id="rId8"/>
-    <p:sldId id="263" r:id="rId9"/>
-    <p:sldId id="264" r:id="rId10"/>
-    <p:sldId id="265" r:id="rId11"/>
+    <p:sldId id="258" r:id="rId4"/>
+    <p:sldId id="259" r:id="rId5"/>
+    <p:sldId id="261" r:id="rId6"/>
+    <p:sldId id="260" r:id="rId7"/>
+    <p:sldId id="263" r:id="rId8"/>
+    <p:sldId id="264" r:id="rId9"/>
+    <p:sldId id="265" r:id="rId10"/>
   </p:sldIdLst>
   <p:sldSz cx="12192000" cy="6858000"/>
   <p:notesSz cx="6858000" cy="9144000"/>
@@ -252,7 +251,7 @@
           <a:p>
             <a:fld id="{E0E871D3-1026-45D6-BC7F-933325C34264}" type="datetimeFigureOut">
               <a:rPr lang="en-IN" smtClean="0"/>
-              <a:t>19-04-2018</a:t>
+              <a:t>25-04-2018</a:t>
             </a:fld>
             <a:endParaRPr lang="en-IN"/>
           </a:p>
@@ -422,7 +421,7 @@
           <a:p>
             <a:fld id="{E0E871D3-1026-45D6-BC7F-933325C34264}" type="datetimeFigureOut">
               <a:rPr lang="en-IN" smtClean="0"/>
-              <a:t>19-04-2018</a:t>
+              <a:t>25-04-2018</a:t>
             </a:fld>
             <a:endParaRPr lang="en-IN"/>
           </a:p>
@@ -602,7 +601,7 @@
           <a:p>
             <a:fld id="{E0E871D3-1026-45D6-BC7F-933325C34264}" type="datetimeFigureOut">
               <a:rPr lang="en-IN" smtClean="0"/>
-              <a:t>19-04-2018</a:t>
+              <a:t>25-04-2018</a:t>
             </a:fld>
             <a:endParaRPr lang="en-IN"/>
           </a:p>
@@ -772,7 +771,7 @@
           <a:p>
             <a:fld id="{E0E871D3-1026-45D6-BC7F-933325C34264}" type="datetimeFigureOut">
               <a:rPr lang="en-IN" smtClean="0"/>
-              <a:t>19-04-2018</a:t>
+              <a:t>25-04-2018</a:t>
             </a:fld>
             <a:endParaRPr lang="en-IN"/>
           </a:p>
@@ -1018,7 +1017,7 @@
           <a:p>
             <a:fld id="{E0E871D3-1026-45D6-BC7F-933325C34264}" type="datetimeFigureOut">
               <a:rPr lang="en-IN" smtClean="0"/>
-              <a:t>19-04-2018</a:t>
+              <a:t>25-04-2018</a:t>
             </a:fld>
             <a:endParaRPr lang="en-IN"/>
           </a:p>
@@ -1250,7 +1249,7 @@
           <a:p>
             <a:fld id="{E0E871D3-1026-45D6-BC7F-933325C34264}" type="datetimeFigureOut">
               <a:rPr lang="en-IN" smtClean="0"/>
-              <a:t>19-04-2018</a:t>
+              <a:t>25-04-2018</a:t>
             </a:fld>
             <a:endParaRPr lang="en-IN"/>
           </a:p>
@@ -1617,7 +1616,7 @@
           <a:p>
             <a:fld id="{E0E871D3-1026-45D6-BC7F-933325C34264}" type="datetimeFigureOut">
               <a:rPr lang="en-IN" smtClean="0"/>
-              <a:t>19-04-2018</a:t>
+              <a:t>25-04-2018</a:t>
             </a:fld>
             <a:endParaRPr lang="en-IN"/>
           </a:p>
@@ -1735,7 +1734,7 @@
           <a:p>
             <a:fld id="{E0E871D3-1026-45D6-BC7F-933325C34264}" type="datetimeFigureOut">
               <a:rPr lang="en-IN" smtClean="0"/>
-              <a:t>19-04-2018</a:t>
+              <a:t>25-04-2018</a:t>
             </a:fld>
             <a:endParaRPr lang="en-IN"/>
           </a:p>
@@ -1830,7 +1829,7 @@
           <a:p>
             <a:fld id="{E0E871D3-1026-45D6-BC7F-933325C34264}" type="datetimeFigureOut">
               <a:rPr lang="en-IN" smtClean="0"/>
-              <a:t>19-04-2018</a:t>
+              <a:t>25-04-2018</a:t>
             </a:fld>
             <a:endParaRPr lang="en-IN"/>
           </a:p>
@@ -2107,7 +2106,7 @@
           <a:p>
             <a:fld id="{E0E871D3-1026-45D6-BC7F-933325C34264}" type="datetimeFigureOut">
               <a:rPr lang="en-IN" smtClean="0"/>
-              <a:t>19-04-2018</a:t>
+              <a:t>25-04-2018</a:t>
             </a:fld>
             <a:endParaRPr lang="en-IN"/>
           </a:p>
@@ -2360,7 +2359,7 @@
           <a:p>
             <a:fld id="{E0E871D3-1026-45D6-BC7F-933325C34264}" type="datetimeFigureOut">
               <a:rPr lang="en-IN" smtClean="0"/>
-              <a:t>19-04-2018</a:t>
+              <a:t>25-04-2018</a:t>
             </a:fld>
             <a:endParaRPr lang="en-IN"/>
           </a:p>
@@ -2573,7 +2572,7 @@
           <a:p>
             <a:fld id="{E0E871D3-1026-45D6-BC7F-933325C34264}" type="datetimeFigureOut">
               <a:rPr lang="en-IN" smtClean="0"/>
-              <a:t>19-04-2018</a:t>
+              <a:t>25-04-2018</a:t>
             </a:fld>
             <a:endParaRPr lang="en-IN"/>
           </a:p>
@@ -3298,208 +3297,6 @@
 </p:sld>
 </file>
 
-<file path=ppt/slides/slide10.xml><?xml version="1.0" encoding="utf-8"?>
-<p:sld xmlns:a="http://schemas.openxmlformats.org/drawingml/2006/main" xmlns:r="http://schemas.openxmlformats.org/officeDocument/2006/relationships" xmlns:p="http://schemas.openxmlformats.org/presentationml/2006/main">
-  <p:cSld>
-    <p:spTree>
-      <p:nvGrpSpPr>
-        <p:cNvPr id="1" name=""/>
-        <p:cNvGrpSpPr/>
-        <p:nvPr/>
-      </p:nvGrpSpPr>
-      <p:grpSpPr>
-        <a:xfrm>
-          <a:off x="0" y="0"/>
-          <a:ext cx="0" cy="0"/>
-          <a:chOff x="0" y="0"/>
-          <a:chExt cx="0" cy="0"/>
-        </a:xfrm>
-      </p:grpSpPr>
-      <p:pic>
-        <p:nvPicPr>
-          <p:cNvPr id="4" name="Picture 3"/>
-          <p:cNvPicPr>
-            <a:picLocks noChangeAspect="1"/>
-          </p:cNvPicPr>
-          <p:nvPr/>
-        </p:nvPicPr>
-        <p:blipFill>
-          <a:blip r:embed="rId3"/>
-          <a:stretch>
-            <a:fillRect/>
-          </a:stretch>
-        </p:blipFill>
-        <p:spPr>
-          <a:xfrm>
-            <a:off x="793376" y="1843928"/>
-            <a:ext cx="4383741" cy="1314450"/>
-          </a:xfrm>
-          <a:prstGeom prst="rect">
-            <a:avLst/>
-          </a:prstGeom>
-        </p:spPr>
-      </p:pic>
-      <p:pic>
-        <p:nvPicPr>
-          <p:cNvPr id="5" name="Picture 4"/>
-          <p:cNvPicPr>
-            <a:picLocks noChangeAspect="1"/>
-          </p:cNvPicPr>
-          <p:nvPr/>
-        </p:nvPicPr>
-        <p:blipFill>
-          <a:blip r:embed="rId4"/>
-          <a:stretch>
-            <a:fillRect/>
-          </a:stretch>
-        </p:blipFill>
-        <p:spPr>
-          <a:xfrm>
-            <a:off x="6519582" y="1815353"/>
-            <a:ext cx="5127812" cy="1343025"/>
-          </a:xfrm>
-          <a:prstGeom prst="rect">
-            <a:avLst/>
-          </a:prstGeom>
-        </p:spPr>
-      </p:pic>
-      <p:sp>
-        <p:nvSpPr>
-          <p:cNvPr id="6" name="TextBox 5"/>
-          <p:cNvSpPr txBox="1"/>
-          <p:nvPr/>
-        </p:nvSpPr>
-        <p:spPr>
-          <a:xfrm>
-            <a:off x="1183341" y="954741"/>
-            <a:ext cx="3294530" cy="369332"/>
-          </a:xfrm>
-          <a:prstGeom prst="rect">
-            <a:avLst/>
-          </a:prstGeom>
-          <a:noFill/>
-        </p:spPr>
-        <p:txBody>
-          <a:bodyPr wrap="square" rtlCol="0">
-            <a:spAutoFit/>
-          </a:bodyPr>
-          <a:lstStyle/>
-          <a:p>
-            <a:r>
-              <a:rPr lang="en-IN" dirty="0" smtClean="0"/>
-              <a:t>Pivot on Train Data</a:t>
-            </a:r>
-            <a:endParaRPr lang="en-IN" dirty="0"/>
-          </a:p>
-        </p:txBody>
-      </p:sp>
-      <p:sp>
-        <p:nvSpPr>
-          <p:cNvPr id="7" name="TextBox 6"/>
-          <p:cNvSpPr txBox="1"/>
-          <p:nvPr/>
-        </p:nvSpPr>
-        <p:spPr>
-          <a:xfrm>
-            <a:off x="7436223" y="954741"/>
-            <a:ext cx="3294530" cy="369332"/>
-          </a:xfrm>
-          <a:prstGeom prst="rect">
-            <a:avLst/>
-          </a:prstGeom>
-          <a:noFill/>
-        </p:spPr>
-        <p:txBody>
-          <a:bodyPr wrap="square" rtlCol="0">
-            <a:spAutoFit/>
-          </a:bodyPr>
-          <a:lstStyle/>
-          <a:p>
-            <a:r>
-              <a:rPr lang="en-IN" dirty="0" smtClean="0"/>
-              <a:t>Pivot on Test Data</a:t>
-            </a:r>
-            <a:endParaRPr lang="en-IN" dirty="0"/>
-          </a:p>
-        </p:txBody>
-      </p:sp>
-      <p:graphicFrame>
-        <p:nvGraphicFramePr>
-          <p:cNvPr id="9" name="Object 8"/>
-          <p:cNvGraphicFramePr>
-            <a:graphicFrameLocks noChangeAspect="1"/>
-          </p:cNvGraphicFramePr>
-          <p:nvPr>
-            <p:extLst>
-              <p:ext uri="{D42A27DB-BD31-4B8C-83A1-F6EECF244321}">
-                <p14:modId xmlns:p14="http://schemas.microsoft.com/office/powerpoint/2010/main" val="2235967761"/>
-              </p:ext>
-            </p:extLst>
-          </p:nvPr>
-        </p:nvGraphicFramePr>
-        <p:xfrm>
-          <a:off x="2258826" y="4384115"/>
-          <a:ext cx="6616233" cy="1613274"/>
-        </p:xfrm>
-        <a:graphic>
-          <a:graphicData uri="http://schemas.openxmlformats.org/presentationml/2006/ole">
-            <mc:AlternateContent xmlns:mc="http://schemas.openxmlformats.org/markup-compatibility/2006">
-              <mc:Choice xmlns:v="urn:schemas-microsoft-com:vml" Requires="v">
-                <p:oleObj spid="_x0000_s1028" name="Worksheet" r:id="rId5" imgW="5495842" imgH="1152673" progId="Excel.Sheet.12">
-                  <p:embed/>
-                </p:oleObj>
-              </mc:Choice>
-              <mc:Fallback>
-                <p:oleObj name="Worksheet" r:id="rId5" imgW="5495842" imgH="1152673" progId="Excel.Sheet.12">
-                  <p:embed/>
-                  <p:pic>
-                    <p:nvPicPr>
-                      <p:cNvPr id="0" name=""/>
-                      <p:cNvPicPr/>
-                      <p:nvPr/>
-                    </p:nvPicPr>
-                    <p:blipFill>
-                      <a:blip r:embed="rId6"/>
-                      <a:stretch>
-                        <a:fillRect/>
-                      </a:stretch>
-                    </p:blipFill>
-                    <p:spPr>
-                      <a:xfrm>
-                        <a:off x="2258826" y="4384115"/>
-                        <a:ext cx="6616233" cy="1613274"/>
-                      </a:xfrm>
-                      <a:prstGeom prst="rect">
-                        <a:avLst/>
-                      </a:prstGeom>
-                    </p:spPr>
-                  </p:pic>
-                </p:oleObj>
-              </mc:Fallback>
-            </mc:AlternateContent>
-          </a:graphicData>
-        </a:graphic>
-      </p:graphicFrame>
-    </p:spTree>
-    <p:extLst>
-      <p:ext uri="{BB962C8B-B14F-4D97-AF65-F5344CB8AC3E}">
-        <p14:creationId xmlns:p14="http://schemas.microsoft.com/office/powerpoint/2010/main" val="503560354"/>
-      </p:ext>
-    </p:extLst>
-  </p:cSld>
-  <p:clrMapOvr>
-    <a:masterClrMapping/>
-  </p:clrMapOvr>
-  <p:timing>
-    <p:tnLst>
-      <p:par>
-        <p:cTn id="1" dur="indefinite" restart="never" nodeType="tmRoot"/>
-      </p:par>
-    </p:tnLst>
-  </p:timing>
-</p:sld>
-</file>
-
 <file path=ppt/slides/slide2.xml><?xml version="1.0" encoding="utf-8"?>
 <p:sld xmlns:a="http://schemas.openxmlformats.org/drawingml/2006/main" xmlns:r="http://schemas.openxmlformats.org/officeDocument/2006/relationships" xmlns:p="http://schemas.openxmlformats.org/presentationml/2006/main">
   <p:cSld>
@@ -3660,18 +3457,14 @@
       </p:grpSpPr>
       <p:sp>
         <p:nvSpPr>
-          <p:cNvPr id="4" name="Title 3"/>
-          <p:cNvSpPr txBox="1">
-            <a:spLocks noGrp="1"/>
-          </p:cNvSpPr>
-          <p:nvPr>
-            <p:ph type="title"/>
-          </p:nvPr>
-        </p:nvSpPr>
-        <p:spPr>
-          <a:xfrm>
-            <a:off x="824753" y="384430"/>
-            <a:ext cx="10515600" cy="480131"/>
+          <p:cNvPr id="7" name="TextBox 6"/>
+          <p:cNvSpPr txBox="1"/>
+          <p:nvPr/>
+        </p:nvSpPr>
+        <p:spPr>
+          <a:xfrm>
+            <a:off x="2017058" y="166358"/>
+            <a:ext cx="7261411" cy="892552"/>
           </a:xfrm>
           <a:prstGeom prst="rect">
             <a:avLst/>
@@ -3684,82 +3477,79 @@
           </a:bodyPr>
           <a:lstStyle/>
           <a:p>
+            <a:pPr algn="ctr"/>
             <a:r>
               <a:rPr lang="en-IN" sz="2800" dirty="0" smtClean="0"/>
-              <a:t>Create Variable : X, Y, Z</a:t>
-            </a:r>
-            <a:endParaRPr lang="en-IN" sz="2800" dirty="0"/>
-          </a:p>
-        </p:txBody>
-      </p:sp>
-      <p:sp>
-        <p:nvSpPr>
-          <p:cNvPr id="5" name="Rectangle 4"/>
-          <p:cNvSpPr/>
+              <a:t>Visualization</a:t>
+            </a:r>
+            <a:r>
+              <a:rPr lang="en-IN" dirty="0" smtClean="0"/>
+              <a:t> :</a:t>
+            </a:r>
+          </a:p>
+          <a:p>
+            <a:r>
+              <a:rPr lang="en-IN" sz="2400" b="1" dirty="0" smtClean="0"/>
+              <a:t>Univariate, Histograms</a:t>
+            </a:r>
+            <a:endParaRPr lang="en-IN" sz="2400" b="1" dirty="0"/>
+          </a:p>
+        </p:txBody>
+      </p:sp>
+      <p:sp>
+        <p:nvSpPr>
+          <p:cNvPr id="8" name="TextBox 7"/>
+          <p:cNvSpPr txBox="1"/>
           <p:nvPr/>
         </p:nvSpPr>
         <p:spPr>
           <a:xfrm>
-            <a:off x="1649506" y="1111641"/>
-            <a:ext cx="6096000" cy="923330"/>
+            <a:off x="887506" y="1479176"/>
+            <a:ext cx="10367682" cy="4867836"/>
           </a:xfrm>
           <a:prstGeom prst="rect">
             <a:avLst/>
           </a:prstGeom>
-        </p:spPr>
-        <p:txBody>
-          <a:bodyPr>
+          <a:noFill/>
+        </p:spPr>
+        <p:txBody>
+          <a:bodyPr wrap="square" rtlCol="0">
             <a:spAutoFit/>
           </a:bodyPr>
           <a:lstStyle/>
           <a:p>
-            <a:r>
-              <a:rPr lang="en-IN" dirty="0"/>
-              <a:t>x=</a:t>
-            </a:r>
-            <a:r>
-              <a:rPr lang="en-IN" dirty="0" err="1"/>
-              <a:t>df</a:t>
-            </a:r>
-            <a:r>
-              <a:rPr lang="en-IN" dirty="0"/>
-              <a:t>['Glucose']</a:t>
-            </a:r>
-          </a:p>
-          <a:p>
-            <a:r>
-              <a:rPr lang="en-IN" dirty="0"/>
-              <a:t>y=</a:t>
-            </a:r>
-            <a:r>
-              <a:rPr lang="en-IN" dirty="0" err="1"/>
-              <a:t>df</a:t>
-            </a:r>
-            <a:r>
-              <a:rPr lang="en-IN" dirty="0"/>
-              <a:t>['BMI']</a:t>
-            </a:r>
-          </a:p>
-          <a:p>
-            <a:r>
-              <a:rPr lang="en-IN" dirty="0"/>
-              <a:t>z=</a:t>
-            </a:r>
-            <a:r>
-              <a:rPr lang="en-IN" dirty="0" err="1"/>
-              <a:t>df</a:t>
-            </a:r>
-            <a:r>
-              <a:rPr lang="en-IN" dirty="0"/>
-              <a:t>['Outcome']</a:t>
-            </a:r>
-          </a:p>
-        </p:txBody>
-      </p:sp>
+            <a:endParaRPr lang="en-IN" dirty="0"/>
+          </a:p>
+        </p:txBody>
+      </p:sp>
+      <p:pic>
+        <p:nvPicPr>
+          <p:cNvPr id="2" name="Picture 1"/>
+          <p:cNvPicPr>
+            <a:picLocks noChangeAspect="1"/>
+          </p:cNvPicPr>
+          <p:nvPr/>
+        </p:nvPicPr>
+        <p:blipFill>
+          <a:blip r:embed="rId2"/>
+          <a:stretch>
+            <a:fillRect/>
+          </a:stretch>
+        </p:blipFill>
+        <p:spPr>
+          <a:xfrm>
+            <a:off x="1371600" y="1071562"/>
+            <a:ext cx="9265024" cy="5170465"/>
+          </a:xfrm>
+          <a:prstGeom prst="rect">
+            <a:avLst/>
+          </a:prstGeom>
+        </p:spPr>
+      </p:pic>
     </p:spTree>
     <p:extLst>
       <p:ext uri="{BB962C8B-B14F-4D97-AF65-F5344CB8AC3E}">
-        <p14:creationId xmlns:p14="http://schemas.microsoft.com/office/powerpoint/2010/main" val="3486221322"/>
+        <p14:creationId xmlns:p14="http://schemas.microsoft.com/office/powerpoint/2010/main" val="2835450956"/>
       </p:ext>
     </p:extLst>
   </p:cSld>
@@ -3801,8 +3591,8 @@
         </p:nvSpPr>
         <p:spPr>
           <a:xfrm>
-            <a:off x="2017058" y="166358"/>
-            <a:ext cx="7261411" cy="892552"/>
+            <a:off x="1949823" y="510987"/>
+            <a:ext cx="7261411" cy="461665"/>
           </a:xfrm>
           <a:prstGeom prst="rect">
             <a:avLst/>
@@ -3817,18 +3607,16 @@
           <a:p>
             <a:pPr algn="ctr"/>
             <a:r>
-              <a:rPr lang="en-IN" sz="2800" dirty="0" smtClean="0"/>
-              <a:t>Visualization</a:t>
-            </a:r>
-            <a:r>
-              <a:rPr lang="en-IN" dirty="0" smtClean="0"/>
-              <a:t> :</a:t>
-            </a:r>
-          </a:p>
-          <a:p>
-            <a:r>
               <a:rPr lang="en-IN" sz="2400" b="1" dirty="0" smtClean="0"/>
-              <a:t>Univariate, Histograms</a:t>
+              <a:t>Correlation </a:t>
+            </a:r>
+            <a:r>
+              <a:rPr lang="en-IN" sz="2400" b="1" dirty="0" err="1"/>
+              <a:t>M</a:t>
+            </a:r>
+            <a:r>
+              <a:rPr lang="en-IN" sz="2400" b="1" dirty="0" err="1" smtClean="0"/>
+              <a:t>atix</a:t>
             </a:r>
             <a:endParaRPr lang="en-IN" sz="2400" b="1" dirty="0"/>
           </a:p>
@@ -3862,7 +3650,7 @@
       </p:sp>
       <p:pic>
         <p:nvPicPr>
-          <p:cNvPr id="2" name="Picture 1"/>
+          <p:cNvPr id="3" name="Picture 2"/>
           <p:cNvPicPr>
             <a:picLocks noChangeAspect="1"/>
           </p:cNvPicPr>
@@ -3876,18 +3664,58 @@
         </p:blipFill>
         <p:spPr>
           <a:xfrm>
-            <a:off x="1371600" y="1071562"/>
-            <a:ext cx="9265024" cy="5170465"/>
+            <a:off x="1461759" y="911097"/>
+            <a:ext cx="9219176" cy="5485908"/>
           </a:xfrm>
           <a:prstGeom prst="rect">
             <a:avLst/>
           </a:prstGeom>
         </p:spPr>
       </p:pic>
+      <p:sp>
+        <p:nvSpPr>
+          <p:cNvPr id="2" name="Rectangle 1"/>
+          <p:cNvSpPr/>
+          <p:nvPr/>
+        </p:nvSpPr>
+        <p:spPr>
+          <a:xfrm>
+            <a:off x="1775012" y="6318753"/>
+            <a:ext cx="7826187" cy="369332"/>
+          </a:xfrm>
+          <a:prstGeom prst="rect">
+            <a:avLst/>
+          </a:prstGeom>
+        </p:spPr>
+        <p:txBody>
+          <a:bodyPr wrap="square">
+            <a:spAutoFit/>
+          </a:bodyPr>
+          <a:lstStyle/>
+          <a:p>
+            <a:r>
+              <a:rPr lang="en-IN" dirty="0" smtClean="0"/>
+              <a:t>* correlation </a:t>
+            </a:r>
+            <a:r>
+              <a:rPr lang="en-IN" dirty="0"/>
+              <a:t>map - shows Glucose as the </a:t>
+            </a:r>
+            <a:r>
+              <a:rPr lang="en-IN" dirty="0" smtClean="0"/>
+              <a:t>highest </a:t>
+            </a:r>
+            <a:r>
+              <a:rPr lang="en-IN" dirty="0"/>
+              <a:t>probability with 47%</a:t>
+            </a:r>
+          </a:p>
+        </p:txBody>
+      </p:sp>
     </p:spTree>
     <p:extLst>
       <p:ext uri="{BB962C8B-B14F-4D97-AF65-F5344CB8AC3E}">
-        <p14:creationId xmlns:p14="http://schemas.microsoft.com/office/powerpoint/2010/main" val="2835450956"/>
+        <p14:creationId xmlns:p14="http://schemas.microsoft.com/office/powerpoint/2010/main" val="902666301"/>
       </p:ext>
     </p:extLst>
   </p:cSld>
@@ -3921,74 +3749,9 @@
           <a:chExt cx="0" cy="0"/>
         </a:xfrm>
       </p:grpSpPr>
-      <p:sp>
-        <p:nvSpPr>
-          <p:cNvPr id="7" name="TextBox 6"/>
-          <p:cNvSpPr txBox="1"/>
-          <p:nvPr/>
-        </p:nvSpPr>
-        <p:spPr>
-          <a:xfrm>
-            <a:off x="1949823" y="510987"/>
-            <a:ext cx="7261411" cy="461665"/>
-          </a:xfrm>
-          <a:prstGeom prst="rect">
-            <a:avLst/>
-          </a:prstGeom>
-          <a:noFill/>
-        </p:spPr>
-        <p:txBody>
-          <a:bodyPr wrap="square" rtlCol="0">
-            <a:spAutoFit/>
-          </a:bodyPr>
-          <a:lstStyle/>
-          <a:p>
-            <a:pPr algn="ctr"/>
-            <a:r>
-              <a:rPr lang="en-IN" sz="2400" b="1" dirty="0" smtClean="0"/>
-              <a:t>Correlation </a:t>
-            </a:r>
-            <a:r>
-              <a:rPr lang="en-IN" sz="2400" b="1" dirty="0" err="1"/>
-              <a:t>M</a:t>
-            </a:r>
-            <a:r>
-              <a:rPr lang="en-IN" sz="2400" b="1" dirty="0" err="1" smtClean="0"/>
-              <a:t>atix</a:t>
-            </a:r>
-            <a:endParaRPr lang="en-IN" sz="2400" b="1" dirty="0"/>
-          </a:p>
-        </p:txBody>
-      </p:sp>
-      <p:sp>
-        <p:nvSpPr>
-          <p:cNvPr id="8" name="TextBox 7"/>
-          <p:cNvSpPr txBox="1"/>
-          <p:nvPr/>
-        </p:nvSpPr>
-        <p:spPr>
-          <a:xfrm>
-            <a:off x="887506" y="1479176"/>
-            <a:ext cx="10367682" cy="4867836"/>
-          </a:xfrm>
-          <a:prstGeom prst="rect">
-            <a:avLst/>
-          </a:prstGeom>
-          <a:noFill/>
-        </p:spPr>
-        <p:txBody>
-          <a:bodyPr wrap="square" rtlCol="0">
-            <a:spAutoFit/>
-          </a:bodyPr>
-          <a:lstStyle/>
-          <a:p>
-            <a:endParaRPr lang="en-IN" dirty="0"/>
-          </a:p>
-        </p:txBody>
-      </p:sp>
       <p:pic>
         <p:nvPicPr>
-          <p:cNvPr id="3" name="Picture 2"/>
+          <p:cNvPr id="2" name="Picture 1"/>
           <p:cNvPicPr>
             <a:picLocks noChangeAspect="1"/>
           </p:cNvPicPr>
@@ -4002,58 +3765,76 @@
         </p:blipFill>
         <p:spPr>
           <a:xfrm>
-            <a:off x="1461759" y="911097"/>
-            <a:ext cx="9219176" cy="5485908"/>
+            <a:off x="2455031" y="563561"/>
+            <a:ext cx="6904913" cy="3438099"/>
           </a:xfrm>
           <a:prstGeom prst="rect">
             <a:avLst/>
           </a:prstGeom>
         </p:spPr>
       </p:pic>
-      <p:sp>
-        <p:nvSpPr>
-          <p:cNvPr id="2" name="Rectangle 1"/>
-          <p:cNvSpPr/>
+      <p:pic>
+        <p:nvPicPr>
+          <p:cNvPr id="3" name="Picture 2"/>
+          <p:cNvPicPr>
+            <a:picLocks noChangeAspect="1"/>
+          </p:cNvPicPr>
           <p:nvPr/>
-        </p:nvSpPr>
-        <p:spPr>
-          <a:xfrm>
-            <a:off x="1775012" y="6318753"/>
-            <a:ext cx="7826187" cy="369332"/>
+        </p:nvPicPr>
+        <p:blipFill>
+          <a:blip r:embed="rId3"/>
+          <a:stretch>
+            <a:fillRect/>
+          </a:stretch>
+        </p:blipFill>
+        <p:spPr>
+          <a:xfrm>
+            <a:off x="2823882" y="3826848"/>
+            <a:ext cx="6212542" cy="2823883"/>
           </a:xfrm>
           <a:prstGeom prst="rect">
             <a:avLst/>
           </a:prstGeom>
         </p:spPr>
+      </p:pic>
+      <p:sp>
+        <p:nvSpPr>
+          <p:cNvPr id="5" name="Rectangle 4"/>
+          <p:cNvSpPr/>
+          <p:nvPr/>
+        </p:nvSpPr>
+        <p:spPr>
+          <a:xfrm>
+            <a:off x="3870966" y="40341"/>
+            <a:ext cx="4073044" cy="523220"/>
+          </a:xfrm>
+          <a:prstGeom prst="rect">
+            <a:avLst/>
+          </a:prstGeom>
+        </p:spPr>
         <p:txBody>
           <a:bodyPr wrap="square">
             <a:spAutoFit/>
           </a:bodyPr>
           <a:lstStyle/>
           <a:p>
-            <a:r>
-              <a:rPr lang="en-IN" dirty="0" smtClean="0"/>
-              <a:t>* correlation </a:t>
-            </a:r>
-            <a:r>
-              <a:rPr lang="en-IN" dirty="0"/>
-              <a:t>map - shows Glucose as the </a:t>
-            </a:r>
-            <a:r>
-              <a:rPr lang="en-IN" dirty="0" smtClean="0"/>
-              <a:t>highest </a:t>
-            </a:r>
-            <a:r>
-              <a:rPr lang="en-IN" dirty="0"/>
-              <a:t>probability with 47%</a:t>
-            </a:r>
+            <a:pPr algn="ctr"/>
+            <a:r>
+              <a:rPr lang="en-IN" sz="2800" b="1" dirty="0" smtClean="0"/>
+              <a:t>Scatterplot</a:t>
+            </a:r>
+            <a:r>
+              <a:rPr lang="en-IN" sz="2400" dirty="0" smtClean="0"/>
+              <a:t> </a:t>
+            </a:r>
+            <a:endParaRPr lang="en-IN" sz="2400" dirty="0"/>
           </a:p>
         </p:txBody>
       </p:sp>
     </p:spTree>
     <p:extLst>
       <p:ext uri="{BB962C8B-B14F-4D97-AF65-F5344CB8AC3E}">
-        <p14:creationId xmlns:p14="http://schemas.microsoft.com/office/powerpoint/2010/main" val="902666301"/>
+        <p14:creationId xmlns:p14="http://schemas.microsoft.com/office/powerpoint/2010/main" val="1476655361"/>
       </p:ext>
     </p:extLst>
   </p:cSld>
@@ -4087,92 +3868,286 @@
           <a:chExt cx="0" cy="0"/>
         </a:xfrm>
       </p:grpSpPr>
-      <p:pic>
-        <p:nvPicPr>
-          <p:cNvPr id="2" name="Picture 1"/>
-          <p:cNvPicPr>
-            <a:picLocks noChangeAspect="1"/>
-          </p:cNvPicPr>
+      <p:sp>
+        <p:nvSpPr>
+          <p:cNvPr id="7" name="TextBox 6"/>
+          <p:cNvSpPr txBox="1"/>
           <p:nvPr/>
-        </p:nvPicPr>
-        <p:blipFill>
-          <a:blip r:embed="rId2"/>
-          <a:stretch>
-            <a:fillRect/>
-          </a:stretch>
-        </p:blipFill>
-        <p:spPr>
-          <a:xfrm>
-            <a:off x="2455031" y="563561"/>
-            <a:ext cx="6904913" cy="3438099"/>
+        </p:nvSpPr>
+        <p:spPr>
+          <a:xfrm>
+            <a:off x="1949823" y="510987"/>
+            <a:ext cx="7261411" cy="523220"/>
           </a:xfrm>
           <a:prstGeom prst="rect">
             <a:avLst/>
           </a:prstGeom>
-        </p:spPr>
-      </p:pic>
-      <p:pic>
-        <p:nvPicPr>
-          <p:cNvPr id="3" name="Picture 2"/>
-          <p:cNvPicPr>
-            <a:picLocks noChangeAspect="1"/>
-          </p:cNvPicPr>
+          <a:noFill/>
+        </p:spPr>
+        <p:txBody>
+          <a:bodyPr wrap="square" rtlCol="0">
+            <a:spAutoFit/>
+          </a:bodyPr>
+          <a:lstStyle/>
+          <a:p>
+            <a:r>
+              <a:rPr lang="en-IN" b="1" dirty="0" smtClean="0"/>
+              <a:t>			</a:t>
+            </a:r>
+            <a:r>
+              <a:rPr lang="en-IN" sz="2800" b="1" dirty="0" smtClean="0"/>
+              <a:t>Discover rules</a:t>
+            </a:r>
+            <a:endParaRPr lang="en-IN" sz="2800" b="1" dirty="0"/>
+          </a:p>
+        </p:txBody>
+      </p:sp>
+      <p:sp>
+        <p:nvSpPr>
+          <p:cNvPr id="8" name="TextBox 7"/>
+          <p:cNvSpPr txBox="1"/>
           <p:nvPr/>
-        </p:nvPicPr>
-        <p:blipFill>
-          <a:blip r:embed="rId3"/>
-          <a:stretch>
-            <a:fillRect/>
-          </a:stretch>
-        </p:blipFill>
-        <p:spPr>
-          <a:xfrm>
-            <a:off x="2823882" y="3826848"/>
-            <a:ext cx="6212542" cy="2823883"/>
+        </p:nvSpPr>
+        <p:spPr>
+          <a:xfrm>
+            <a:off x="860612" y="1034207"/>
+            <a:ext cx="10313894" cy="5786199"/>
           </a:xfrm>
           <a:prstGeom prst="rect">
             <a:avLst/>
           </a:prstGeom>
-        </p:spPr>
-      </p:pic>
-      <p:sp>
-        <p:nvSpPr>
-          <p:cNvPr id="5" name="Rectangle 4"/>
-          <p:cNvSpPr/>
-          <p:nvPr/>
-        </p:nvSpPr>
-        <p:spPr>
-          <a:xfrm>
-            <a:off x="3870966" y="40341"/>
-            <a:ext cx="4073044" cy="523220"/>
-          </a:xfrm>
-          <a:prstGeom prst="rect">
-            <a:avLst/>
-          </a:prstGeom>
-        </p:spPr>
-        <p:txBody>
-          <a:bodyPr wrap="square">
+          <a:noFill/>
+        </p:spPr>
+        <p:txBody>
+          <a:bodyPr wrap="square" rtlCol="0">
             <a:spAutoFit/>
           </a:bodyPr>
           <a:lstStyle/>
           <a:p>
-            <a:pPr algn="ctr"/>
-            <a:r>
-              <a:rPr lang="en-IN" sz="2800" b="1" dirty="0" smtClean="0"/>
-              <a:t>Scatterplot</a:t>
-            </a:r>
-            <a:r>
-              <a:rPr lang="en-IN" sz="2400" dirty="0" smtClean="0"/>
+            <a:pPr marL="285750" indent="-285750">
+              <a:buFont typeface="Arial" panose="020B0604020202020204" pitchFamily="34" charset="0"/>
+              <a:buChar char="•"/>
+            </a:pPr>
+            <a:r>
+              <a:rPr lang="en-IN" dirty="0"/>
+              <a:t>Glucose and BMI for is larger for patients having </a:t>
+            </a:r>
+            <a:r>
+              <a:rPr lang="en-IN" dirty="0" smtClean="0"/>
+              <a:t>diabetes.</a:t>
+            </a:r>
+            <a:endParaRPr lang="en-IN" dirty="0"/>
+          </a:p>
+          <a:p>
+            <a:pPr marL="285750" indent="-285750">
+              <a:buFont typeface="Arial" panose="020B0604020202020204" pitchFamily="34" charset="0"/>
+              <a:buChar char="•"/>
+            </a:pPr>
+            <a:r>
+              <a:rPr lang="en-IN" dirty="0" smtClean="0"/>
+              <a:t>Patients </a:t>
+            </a:r>
+            <a:r>
+              <a:rPr lang="en-IN" dirty="0" smtClean="0"/>
+              <a:t>with Glucose greater than 140 mg/dl and BMI greater than 25 has the higher chances of getting diabetes </a:t>
+            </a:r>
+            <a:endParaRPr lang="en-IN" dirty="0"/>
+          </a:p>
+          <a:p>
+            <a:pPr marL="285750" indent="-285750">
+              <a:buFont typeface="Arial" panose="020B0604020202020204" pitchFamily="34" charset="0"/>
+              <a:buChar char="•"/>
+            </a:pPr>
+            <a:r>
+              <a:rPr lang="en-IN" dirty="0"/>
+              <a:t>Age greater than 40 and Glucose count greater than 140 mg/dl  has the higher chances of getting </a:t>
+            </a:r>
+            <a:r>
+              <a:rPr lang="en-IN" dirty="0" smtClean="0"/>
+              <a:t>diabetes</a:t>
+            </a:r>
+          </a:p>
+          <a:p>
+            <a:pPr marL="285750" indent="-285750">
+              <a:buFont typeface="Arial" panose="020B0604020202020204" pitchFamily="34" charset="0"/>
+              <a:buChar char="•"/>
+            </a:pPr>
+            <a:endParaRPr lang="en-IN" sz="1400" i="1" dirty="0"/>
+          </a:p>
+          <a:p>
+            <a:pPr marL="285750" indent="-285750">
+              <a:buFont typeface="Arial" panose="020B0604020202020204" pitchFamily="34" charset="0"/>
+              <a:buChar char="•"/>
+            </a:pPr>
+            <a:endParaRPr lang="en-IN" sz="1400" i="1" dirty="0" smtClean="0"/>
+          </a:p>
+          <a:p>
+            <a:r>
+              <a:rPr lang="en-IN" sz="1400" i="1" u="sng" dirty="0"/>
+              <a:t>Glucose</a:t>
+            </a:r>
+          </a:p>
+          <a:p>
+            <a:r>
+              <a:rPr lang="en-IN" sz="1400" i="1" dirty="0"/>
+              <a:t>   </a:t>
+            </a:r>
+            <a:r>
+              <a:rPr lang="en-IN" sz="1400" i="1" dirty="0" smtClean="0"/>
+              <a:t>  Normal  </a:t>
+            </a:r>
+            <a:r>
+              <a:rPr lang="en-IN" sz="1400" i="1" dirty="0"/>
+              <a:t>- 140 mg/dl</a:t>
+            </a:r>
+          </a:p>
+          <a:p>
+            <a:r>
+              <a:rPr lang="en-IN" sz="1400" i="1" dirty="0"/>
+              <a:t>     Pre-diabetes  - 140 to 199 mg/dl</a:t>
+            </a:r>
+          </a:p>
+          <a:p>
+            <a:r>
+              <a:rPr lang="en-IN" sz="1400" i="1" dirty="0"/>
+              <a:t>     </a:t>
+            </a:r>
+            <a:r>
+              <a:rPr lang="en-IN" sz="1400" i="1" dirty="0" smtClean="0"/>
+              <a:t>Diabetes  </a:t>
+            </a:r>
+            <a:r>
+              <a:rPr lang="en-IN" sz="1400" i="1" dirty="0"/>
+              <a:t>- 200 mg/dl and more</a:t>
+            </a:r>
+          </a:p>
+          <a:p>
+            <a:endParaRPr lang="en-IN" sz="1400" i="1" dirty="0"/>
+          </a:p>
+          <a:p>
+            <a:r>
+              <a:rPr lang="en-IN" sz="1400" i="1" u="sng" dirty="0"/>
+              <a:t>BMI </a:t>
+            </a:r>
+            <a:endParaRPr lang="en-IN" sz="1400" i="1" u="sng" dirty="0" smtClean="0"/>
+          </a:p>
+          <a:p>
+            <a:r>
+              <a:rPr lang="en-IN" sz="1400" i="1" dirty="0"/>
               <a:t> </a:t>
             </a:r>
-            <a:endParaRPr lang="en-IN" sz="2400" dirty="0"/>
+            <a:r>
+              <a:rPr lang="en-IN" sz="1400" i="1" dirty="0" smtClean="0"/>
+              <a:t>      </a:t>
+            </a:r>
+            <a:r>
+              <a:rPr lang="en-IN" sz="1400" i="1" dirty="0"/>
+              <a:t>Normal  - 18.5 to 25</a:t>
+            </a:r>
+          </a:p>
+          <a:p>
+            <a:r>
+              <a:rPr lang="en-IN" sz="1400" i="1" dirty="0"/>
+              <a:t>     </a:t>
+            </a:r>
+            <a:r>
+              <a:rPr lang="en-IN" sz="1400" i="1" dirty="0" smtClean="0"/>
+              <a:t> Overweight </a:t>
+            </a:r>
+            <a:r>
+              <a:rPr lang="en-IN" sz="1400" i="1" dirty="0"/>
+              <a:t>range  - 25 and 30</a:t>
+            </a:r>
+          </a:p>
+          <a:p>
+            <a:r>
+              <a:rPr lang="en-IN" sz="1400" i="1" dirty="0"/>
+              <a:t>      Obese Range  - &gt; 30</a:t>
+            </a:r>
+            <a:endParaRPr lang="en-IN" sz="1400" i="1" dirty="0" smtClean="0"/>
+          </a:p>
+          <a:p>
+            <a:pPr marL="285750" indent="-285750">
+              <a:buFont typeface="Arial" panose="020B0604020202020204" pitchFamily="34" charset="0"/>
+              <a:buChar char="•"/>
+            </a:pPr>
+            <a:endParaRPr lang="en-IN" dirty="0" smtClean="0"/>
+          </a:p>
+          <a:p>
+            <a:pPr marL="285750" indent="-285750">
+              <a:buFont typeface="Arial" panose="020B0604020202020204" pitchFamily="34" charset="0"/>
+              <a:buChar char="•"/>
+            </a:pPr>
+            <a:r>
+              <a:rPr lang="en-IN" b="1" dirty="0" smtClean="0"/>
+              <a:t>Reference link to the </a:t>
+            </a:r>
+            <a:r>
+              <a:rPr lang="en-IN" b="1" dirty="0" err="1" smtClean="0"/>
+              <a:t>github</a:t>
+            </a:r>
+            <a:endParaRPr lang="en-IN" b="1" dirty="0" smtClean="0"/>
+          </a:p>
+          <a:p>
+            <a:pPr marL="285750" indent="-285750">
+              <a:buFont typeface="Arial" panose="020B0604020202020204" pitchFamily="34" charset="0"/>
+              <a:buChar char="•"/>
+            </a:pPr>
+            <a:endParaRPr lang="en-IN" dirty="0">
+              <a:hlinkClick r:id="rId2"/>
+            </a:endParaRPr>
+          </a:p>
+          <a:p>
+            <a:r>
+              <a:rPr lang="en-IN" dirty="0" smtClean="0">
+                <a:hlinkClick r:id="rId2"/>
+              </a:rPr>
+              <a:t> https</a:t>
+            </a:r>
+            <a:r>
+              <a:rPr lang="en-IN" dirty="0">
+                <a:hlinkClick r:id="rId2"/>
+              </a:rPr>
+              <a:t>://</a:t>
+            </a:r>
+            <a:r>
+              <a:rPr lang="en-IN" dirty="0" smtClean="0">
+                <a:hlinkClick r:id="rId2"/>
+              </a:rPr>
+              <a:t>github.com/jacobmat/DataAnalysis-Projects</a:t>
+            </a:r>
+            <a:r>
+              <a:rPr lang="en-IN" dirty="0" smtClean="0"/>
+              <a:t> </a:t>
+            </a:r>
+          </a:p>
+          <a:p>
+            <a:pPr marL="285750" indent="-285750">
+              <a:buFont typeface="Arial" panose="020B0604020202020204" pitchFamily="34" charset="0"/>
+              <a:buChar char="•"/>
+            </a:pPr>
+            <a:endParaRPr lang="en-IN" dirty="0"/>
+          </a:p>
+          <a:p>
+            <a:pPr marL="285750" indent="-285750">
+              <a:buFont typeface="Arial" panose="020B0604020202020204" pitchFamily="34" charset="0"/>
+              <a:buChar char="•"/>
+            </a:pPr>
+            <a:endParaRPr lang="en-IN" dirty="0"/>
+          </a:p>
+          <a:p>
+            <a:pPr marL="285750" indent="-285750">
+              <a:buFont typeface="Arial" panose="020B0604020202020204" pitchFamily="34" charset="0"/>
+              <a:buChar char="•"/>
+            </a:pPr>
+            <a:endParaRPr lang="en-IN" dirty="0"/>
           </a:p>
         </p:txBody>
       </p:sp>
     </p:spTree>
     <p:extLst>
       <p:ext uri="{BB962C8B-B14F-4D97-AF65-F5344CB8AC3E}">
-        <p14:creationId xmlns:p14="http://schemas.microsoft.com/office/powerpoint/2010/main" val="1476655361"/>
+        <p14:creationId xmlns:p14="http://schemas.microsoft.com/office/powerpoint/2010/main" val="3428752800"/>
       </p:ext>
     </p:extLst>
   </p:cSld>
@@ -4208,13 +4183,13 @@
       </p:grpSpPr>
       <p:sp>
         <p:nvSpPr>
-          <p:cNvPr id="7" name="TextBox 6"/>
+          <p:cNvPr id="6" name="TextBox 5"/>
           <p:cNvSpPr txBox="1"/>
           <p:nvPr/>
         </p:nvSpPr>
         <p:spPr>
           <a:xfrm>
-            <a:off x="1949823" y="510987"/>
+            <a:off x="1963270" y="350628"/>
             <a:ext cx="7261411" cy="523220"/>
           </a:xfrm>
           <a:prstGeom prst="rect">
@@ -4234,7 +4209,7 @@
             </a:r>
             <a:r>
               <a:rPr lang="en-IN" sz="2800" b="1" dirty="0" smtClean="0"/>
-              <a:t>Discover rules</a:t>
+              <a:t>Bin Variable creation</a:t>
             </a:r>
             <a:endParaRPr lang="en-IN" sz="2800" b="1" dirty="0"/>
           </a:p>
@@ -4242,14 +4217,47 @@
       </p:sp>
       <p:sp>
         <p:nvSpPr>
-          <p:cNvPr id="8" name="TextBox 7"/>
+          <p:cNvPr id="8" name="Rectangle 7"/>
+          <p:cNvSpPr/>
+          <p:nvPr/>
+        </p:nvSpPr>
+        <p:spPr>
+          <a:xfrm>
+            <a:off x="885263" y="873848"/>
+            <a:ext cx="9872384" cy="646331"/>
+          </a:xfrm>
+          <a:prstGeom prst="rect">
+            <a:avLst/>
+          </a:prstGeom>
+        </p:spPr>
+        <p:txBody>
+          <a:bodyPr wrap="square">
+            <a:spAutoFit/>
+          </a:bodyPr>
+          <a:lstStyle/>
+          <a:p>
+            <a:pPr marL="285750" indent="-285750">
+              <a:buFont typeface="Arial" panose="020B0604020202020204" pitchFamily="34" charset="0"/>
+              <a:buChar char="•"/>
+            </a:pPr>
+            <a:r>
+              <a:rPr lang="en-IN" dirty="0" smtClean="0"/>
+              <a:t>Discovering Glucose as the main variable effecting the diabetes – further analysis was done based on Pivot creation and Train/Test data creation   </a:t>
+            </a:r>
+            <a:endParaRPr lang="en-IN" dirty="0"/>
+          </a:p>
+        </p:txBody>
+      </p:sp>
+      <p:sp>
+        <p:nvSpPr>
+          <p:cNvPr id="10" name="TextBox 9"/>
           <p:cNvSpPr txBox="1"/>
           <p:nvPr/>
         </p:nvSpPr>
         <p:spPr>
           <a:xfrm>
-            <a:off x="860612" y="1034207"/>
-            <a:ext cx="10313894" cy="6063198"/>
+            <a:off x="1210235" y="4460058"/>
+            <a:ext cx="3886200" cy="461665"/>
           </a:xfrm>
           <a:prstGeom prst="rect">
             <a:avLst/>
@@ -4262,232 +4270,116 @@
           </a:bodyPr>
           <a:lstStyle/>
           <a:p>
-            <a:pPr marL="285750" indent="-285750">
-              <a:buFont typeface="Arial" panose="020B0604020202020204" pitchFamily="34" charset="0"/>
-              <a:buChar char="•"/>
-            </a:pPr>
-            <a:r>
-              <a:rPr lang="en-IN" dirty="0"/>
-              <a:t>Glucose and BMI for is larger for patients having </a:t>
-            </a:r>
-            <a:r>
-              <a:rPr lang="en-IN" dirty="0" smtClean="0"/>
-              <a:t>diabetes.</a:t>
-            </a:r>
-            <a:endParaRPr lang="en-IN" dirty="0"/>
-          </a:p>
-          <a:p>
-            <a:pPr marL="285750" indent="-285750">
-              <a:buFont typeface="Arial" panose="020B0604020202020204" pitchFamily="34" charset="0"/>
-              <a:buChar char="•"/>
-            </a:pPr>
-            <a:r>
-              <a:rPr lang="en-IN" dirty="0"/>
-              <a:t>BMI and Skin Thickness seems to be </a:t>
-            </a:r>
-            <a:r>
-              <a:rPr lang="en-IN" dirty="0" smtClean="0"/>
-              <a:t>correlated.</a:t>
-            </a:r>
-          </a:p>
-          <a:p>
-            <a:pPr marL="285750" indent="-285750">
-              <a:buFont typeface="Arial" panose="020B0604020202020204" pitchFamily="34" charset="0"/>
-              <a:buChar char="•"/>
-            </a:pPr>
-            <a:r>
-              <a:rPr lang="en-IN" dirty="0" smtClean="0"/>
-              <a:t>Patients with Glucose greater than 140 mg/dl and BMI greater than 25 has the higher chances of getting diabetes </a:t>
-            </a:r>
-            <a:endParaRPr lang="en-IN" dirty="0"/>
-          </a:p>
-          <a:p>
-            <a:pPr marL="285750" indent="-285750">
-              <a:buFont typeface="Arial" panose="020B0604020202020204" pitchFamily="34" charset="0"/>
-              <a:buChar char="•"/>
-            </a:pPr>
-            <a:r>
-              <a:rPr lang="en-IN" dirty="0"/>
-              <a:t>Age greater than 40 and Glucose count greater than 140 mg/dl  has the higher chances of getting </a:t>
-            </a:r>
-            <a:r>
-              <a:rPr lang="en-IN" dirty="0" smtClean="0"/>
-              <a:t>diabetes</a:t>
-            </a:r>
-          </a:p>
-          <a:p>
-            <a:pPr marL="285750" indent="-285750">
-              <a:buFont typeface="Arial" panose="020B0604020202020204" pitchFamily="34" charset="0"/>
-              <a:buChar char="•"/>
-            </a:pPr>
-            <a:endParaRPr lang="en-IN" sz="1400" i="1" dirty="0"/>
-          </a:p>
-          <a:p>
-            <a:pPr marL="285750" indent="-285750">
-              <a:buFont typeface="Arial" panose="020B0604020202020204" pitchFamily="34" charset="0"/>
-              <a:buChar char="•"/>
-            </a:pPr>
-            <a:endParaRPr lang="en-IN" sz="1400" i="1" dirty="0" smtClean="0"/>
-          </a:p>
-          <a:p>
-            <a:r>
-              <a:rPr lang="en-IN" sz="1400" i="1" u="sng" dirty="0"/>
-              <a:t>Glucose</a:t>
-            </a:r>
-          </a:p>
-          <a:p>
-            <a:r>
-              <a:rPr lang="en-IN" sz="1400" i="1" dirty="0"/>
-              <a:t>   </a:t>
-            </a:r>
-            <a:r>
-              <a:rPr lang="en-IN" sz="1400" i="1" dirty="0" smtClean="0"/>
-              <a:t>  Normal  </a:t>
-            </a:r>
-            <a:r>
-              <a:rPr lang="en-IN" sz="1400" i="1" dirty="0"/>
-              <a:t>- 140 mg/dl</a:t>
-            </a:r>
-          </a:p>
-          <a:p>
-            <a:r>
-              <a:rPr lang="en-IN" sz="1400" i="1" dirty="0"/>
-              <a:t>     Pre-diabetes  - 140 to 199 mg/dl</a:t>
-            </a:r>
-          </a:p>
-          <a:p>
-            <a:r>
-              <a:rPr lang="en-IN" sz="1400" i="1" dirty="0"/>
-              <a:t>     </a:t>
-            </a:r>
-            <a:r>
-              <a:rPr lang="en-IN" sz="1400" i="1" dirty="0" smtClean="0"/>
-              <a:t>Diabetes  </a:t>
-            </a:r>
-            <a:r>
-              <a:rPr lang="en-IN" sz="1400" i="1" dirty="0"/>
-              <a:t>- 200 mg/dl and more</a:t>
-            </a:r>
-          </a:p>
-          <a:p>
-            <a:endParaRPr lang="en-IN" sz="1400" i="1" dirty="0"/>
-          </a:p>
-          <a:p>
-            <a:r>
-              <a:rPr lang="en-IN" sz="1400" i="1" u="sng" dirty="0"/>
-              <a:t>BMI </a:t>
-            </a:r>
-            <a:endParaRPr lang="en-IN" sz="1400" i="1" u="sng" dirty="0" smtClean="0"/>
-          </a:p>
-          <a:p>
-            <a:r>
-              <a:rPr lang="en-IN" sz="1400" i="1" dirty="0"/>
-              <a:t> </a:t>
-            </a:r>
-            <a:r>
-              <a:rPr lang="en-IN" sz="1400" i="1" dirty="0" smtClean="0"/>
-              <a:t>      </a:t>
-            </a:r>
-            <a:r>
-              <a:rPr lang="en-IN" sz="1400" i="1" dirty="0"/>
-              <a:t>Normal  - 18.5 to 25</a:t>
-            </a:r>
-          </a:p>
-          <a:p>
-            <a:r>
-              <a:rPr lang="en-IN" sz="1400" i="1" dirty="0"/>
-              <a:t>     </a:t>
-            </a:r>
-            <a:r>
-              <a:rPr lang="en-IN" sz="1400" i="1" dirty="0" smtClean="0"/>
-              <a:t> Overweight </a:t>
-            </a:r>
-            <a:r>
-              <a:rPr lang="en-IN" sz="1400" i="1" dirty="0"/>
-              <a:t>range  - 25 and 30</a:t>
-            </a:r>
-          </a:p>
-          <a:p>
-            <a:r>
-              <a:rPr lang="en-IN" sz="1400" i="1" dirty="0"/>
-              <a:t>      Obese Range  - &gt; 30</a:t>
-            </a:r>
-            <a:endParaRPr lang="en-IN" sz="1400" i="1" dirty="0" smtClean="0"/>
-          </a:p>
-          <a:p>
-            <a:pPr marL="285750" indent="-285750">
-              <a:buFont typeface="Arial" panose="020B0604020202020204" pitchFamily="34" charset="0"/>
-              <a:buChar char="•"/>
-            </a:pPr>
-            <a:endParaRPr lang="en-IN" dirty="0" smtClean="0"/>
-          </a:p>
-          <a:p>
-            <a:pPr marL="285750" indent="-285750">
-              <a:buFont typeface="Arial" panose="020B0604020202020204" pitchFamily="34" charset="0"/>
-              <a:buChar char="•"/>
-            </a:pPr>
+            <a:r>
+              <a:rPr lang="en-IN" sz="2400" b="1" dirty="0" smtClean="0"/>
+              <a:t>Pivot preparation</a:t>
+            </a:r>
+            <a:endParaRPr lang="en-IN" sz="2400" b="1" dirty="0"/>
+          </a:p>
+        </p:txBody>
+      </p:sp>
+      <p:pic>
+        <p:nvPicPr>
+          <p:cNvPr id="2" name="Picture 1"/>
+          <p:cNvPicPr>
+            <a:picLocks noChangeAspect="1"/>
+          </p:cNvPicPr>
+          <p:nvPr/>
+        </p:nvPicPr>
+        <p:blipFill>
+          <a:blip r:embed="rId2"/>
+          <a:stretch>
+            <a:fillRect/>
+          </a:stretch>
+        </p:blipFill>
+        <p:spPr>
+          <a:xfrm>
+            <a:off x="529756" y="1520179"/>
+            <a:ext cx="10395138" cy="2637347"/>
+          </a:xfrm>
+          <a:prstGeom prst="rect">
+            <a:avLst/>
+          </a:prstGeom>
+        </p:spPr>
+      </p:pic>
+      <p:pic>
+        <p:nvPicPr>
+          <p:cNvPr id="3" name="Picture 2"/>
+          <p:cNvPicPr>
+            <a:picLocks noChangeAspect="1"/>
+          </p:cNvPicPr>
+          <p:nvPr/>
+        </p:nvPicPr>
+        <p:blipFill>
+          <a:blip r:embed="rId3"/>
+          <a:stretch>
+            <a:fillRect/>
+          </a:stretch>
+        </p:blipFill>
+        <p:spPr>
+          <a:xfrm>
+            <a:off x="1103779" y="5255515"/>
+            <a:ext cx="3199279" cy="1306650"/>
+          </a:xfrm>
+          <a:prstGeom prst="rect">
+            <a:avLst/>
+          </a:prstGeom>
+        </p:spPr>
+      </p:pic>
+      <p:sp>
+        <p:nvSpPr>
+          <p:cNvPr id="4" name="TextBox 3"/>
+          <p:cNvSpPr txBox="1"/>
+          <p:nvPr/>
+        </p:nvSpPr>
+        <p:spPr>
+          <a:xfrm>
+            <a:off x="5620872" y="4460058"/>
+            <a:ext cx="5715000" cy="1477328"/>
+          </a:xfrm>
+          <a:prstGeom prst="rect">
+            <a:avLst/>
+          </a:prstGeom>
+          <a:noFill/>
+        </p:spPr>
+        <p:txBody>
+          <a:bodyPr wrap="square" rtlCol="0">
+            <a:spAutoFit/>
+          </a:bodyPr>
+          <a:lstStyle/>
+          <a:p>
             <a:r>
               <a:rPr lang="en-IN" b="1" dirty="0" smtClean="0"/>
-              <a:t>Reference link to the </a:t>
-            </a:r>
-            <a:r>
-              <a:rPr lang="en-IN" b="1" dirty="0" err="1" smtClean="0"/>
-              <a:t>github</a:t>
-            </a:r>
-            <a:endParaRPr lang="en-IN" b="1" dirty="0" smtClean="0"/>
-          </a:p>
-          <a:p>
-            <a:pPr marL="285750" indent="-285750">
-              <a:buFont typeface="Arial" panose="020B0604020202020204" pitchFamily="34" charset="0"/>
-              <a:buChar char="•"/>
-            </a:pPr>
-            <a:endParaRPr lang="en-IN" dirty="0">
-              <a:hlinkClick r:id="rId2"/>
-            </a:endParaRPr>
-          </a:p>
-          <a:p>
-            <a:r>
-              <a:rPr lang="en-IN" dirty="0" smtClean="0">
-                <a:hlinkClick r:id="rId2"/>
-              </a:rPr>
-              <a:t> https</a:t>
-            </a:r>
-            <a:r>
-              <a:rPr lang="en-IN" dirty="0">
-                <a:hlinkClick r:id="rId2"/>
-              </a:rPr>
-              <a:t>://</a:t>
-            </a:r>
-            <a:r>
-              <a:rPr lang="en-IN" dirty="0" smtClean="0">
-                <a:hlinkClick r:id="rId2"/>
-              </a:rPr>
-              <a:t>github.com/jacobmat/DataAnalysis-Projects</a:t>
-            </a:r>
+              <a:t>Model:</a:t>
+            </a:r>
+          </a:p>
+          <a:p>
             <a:r>
               <a:rPr lang="en-IN" dirty="0" smtClean="0"/>
               <a:t> </a:t>
             </a:r>
+            <a:r>
+              <a:rPr lang="en-IN" dirty="0"/>
+              <a:t>-   Overall 35% of patient has diabetes (278/768)</a:t>
+            </a:r>
           </a:p>
           <a:p>
             <a:pPr marL="285750" indent="-285750">
-              <a:buFont typeface="Arial" panose="020B0604020202020204" pitchFamily="34" charset="0"/>
-              <a:buChar char="•"/>
+              <a:buFontTx/>
+              <a:buChar char="-"/>
             </a:pPr>
-            <a:endParaRPr lang="en-IN" dirty="0"/>
-          </a:p>
-          <a:p>
-            <a:pPr marL="285750" indent="-285750">
-              <a:buFont typeface="Arial" panose="020B0604020202020204" pitchFamily="34" charset="0"/>
-              <a:buChar char="•"/>
-            </a:pPr>
-            <a:endParaRPr lang="en-IN" dirty="0"/>
-          </a:p>
-          <a:p>
-            <a:pPr marL="285750" indent="-285750">
-              <a:buFont typeface="Arial" panose="020B0604020202020204" pitchFamily="34" charset="0"/>
-              <a:buChar char="•"/>
-            </a:pPr>
+            <a:r>
+              <a:rPr lang="en-IN" dirty="0" smtClean="0"/>
+              <a:t>If Glucose &lt; =125 then diabetes chances = 34% (92/278) </a:t>
+            </a:r>
+          </a:p>
+          <a:p>
+            <a:r>
+              <a:rPr lang="en-IN" dirty="0" smtClean="0"/>
+              <a:t>-    If Glucose &gt; 125 then diabetes chances = 66% (176/278)</a:t>
+            </a:r>
+          </a:p>
+          <a:p>
             <a:endParaRPr lang="en-IN" dirty="0"/>
           </a:p>
         </p:txBody>
@@ -4495,7 +4387,7 @@
     </p:spTree>
     <p:extLst>
       <p:ext uri="{BB962C8B-B14F-4D97-AF65-F5344CB8AC3E}">
-        <p14:creationId xmlns:p14="http://schemas.microsoft.com/office/powerpoint/2010/main" val="3428752800"/>
+        <p14:creationId xmlns:p14="http://schemas.microsoft.com/office/powerpoint/2010/main" val="361041984"/>
       </p:ext>
     </p:extLst>
   </p:cSld>
@@ -4537,8 +4429,8 @@
         </p:nvSpPr>
         <p:spPr>
           <a:xfrm>
-            <a:off x="1963270" y="350628"/>
-            <a:ext cx="7261411" cy="523220"/>
+            <a:off x="885263" y="168889"/>
+            <a:ext cx="8364071" cy="523220"/>
           </a:xfrm>
           <a:prstGeom prst="rect">
             <a:avLst/>
@@ -4557,7 +4449,97 @@
             </a:r>
             <a:r>
               <a:rPr lang="en-IN" sz="2800" b="1" dirty="0" smtClean="0"/>
-              <a:t>Bin Variable creation</a:t>
+              <a:t>Train/Test Sample preparation</a:t>
+            </a:r>
+            <a:endParaRPr lang="en-IN" sz="2800" b="1" dirty="0"/>
+          </a:p>
+        </p:txBody>
+      </p:sp>
+      <p:sp>
+        <p:nvSpPr>
+          <p:cNvPr id="8" name="Rectangle 7"/>
+          <p:cNvSpPr/>
+          <p:nvPr/>
+        </p:nvSpPr>
+        <p:spPr>
+          <a:xfrm>
+            <a:off x="885263" y="873848"/>
+            <a:ext cx="9872384" cy="1200329"/>
+          </a:xfrm>
+          <a:prstGeom prst="rect">
+            <a:avLst/>
+          </a:prstGeom>
+        </p:spPr>
+        <p:txBody>
+          <a:bodyPr wrap="square">
+            <a:spAutoFit/>
+          </a:bodyPr>
+          <a:lstStyle/>
+          <a:p>
+            <a:pPr marL="285750" indent="-285750">
+              <a:buFont typeface="Arial" panose="020B0604020202020204" pitchFamily="34" charset="0"/>
+              <a:buChar char="•"/>
+            </a:pPr>
+            <a:r>
+              <a:rPr lang="en-IN" dirty="0" smtClean="0"/>
+              <a:t>Out of Total 768 rows * 10 Columns records;</a:t>
+            </a:r>
+          </a:p>
+          <a:p>
+            <a:pPr marL="285750" indent="-285750">
+              <a:buFont typeface="Arial" panose="020B0604020202020204" pitchFamily="34" charset="0"/>
+              <a:buChar char="•"/>
+            </a:pPr>
+            <a:r>
+              <a:rPr lang="en-IN" dirty="0" smtClean="0"/>
+              <a:t>80% Train data : 614 rows * 10 Columns</a:t>
+            </a:r>
+          </a:p>
+          <a:p>
+            <a:pPr marL="285750" indent="-285750">
+              <a:buFont typeface="Arial" panose="020B0604020202020204" pitchFamily="34" charset="0"/>
+              <a:buChar char="•"/>
+            </a:pPr>
+            <a:r>
+              <a:rPr lang="en-IN" dirty="0" smtClean="0"/>
+              <a:t>20% Test data   :  154 rows* 10 Columns</a:t>
+            </a:r>
+          </a:p>
+          <a:p>
+            <a:pPr marL="285750" indent="-285750">
+              <a:buFont typeface="Arial" panose="020B0604020202020204" pitchFamily="34" charset="0"/>
+              <a:buChar char="•"/>
+            </a:pPr>
+            <a:endParaRPr lang="en-IN" dirty="0"/>
+          </a:p>
+        </p:txBody>
+      </p:sp>
+      <p:sp>
+        <p:nvSpPr>
+          <p:cNvPr id="9" name="TextBox 8"/>
+          <p:cNvSpPr txBox="1"/>
+          <p:nvPr/>
+        </p:nvSpPr>
+        <p:spPr>
+          <a:xfrm>
+            <a:off x="1869142" y="2282664"/>
+            <a:ext cx="6710082" cy="369332"/>
+          </a:xfrm>
+          <a:prstGeom prst="rect">
+            <a:avLst/>
+          </a:prstGeom>
+          <a:noFill/>
+        </p:spPr>
+        <p:txBody>
+          <a:bodyPr wrap="square" rtlCol="0">
+            <a:spAutoFit/>
+          </a:bodyPr>
+          <a:lstStyle/>
+          <a:p>
+            <a:pPr algn="ctr"/>
+            <a:r>
+              <a:rPr lang="en-IN" b="1" dirty="0" smtClean="0"/>
+              <a:t>	Plot Box</a:t>
             </a:r>
             <a:endParaRPr lang="en-IN" sz="2800" b="1" dirty="0"/>
           </a:p>
@@ -4565,7 +4547,7 @@
       </p:sp>
       <p:pic>
         <p:nvPicPr>
-          <p:cNvPr id="7" name="Picture 6"/>
+          <p:cNvPr id="4" name="Picture 3"/>
           <p:cNvPicPr>
             <a:picLocks noChangeAspect="1"/>
           </p:cNvPicPr>
@@ -4579,50 +4561,17 @@
         </p:blipFill>
         <p:spPr>
           <a:xfrm>
-            <a:off x="885263" y="1520179"/>
-            <a:ext cx="9904461" cy="2809875"/>
+            <a:off x="641536" y="2860483"/>
+            <a:ext cx="5305985" cy="3396343"/>
           </a:xfrm>
           <a:prstGeom prst="rect">
             <a:avLst/>
           </a:prstGeom>
         </p:spPr>
       </p:pic>
-      <p:sp>
-        <p:nvSpPr>
-          <p:cNvPr id="8" name="Rectangle 7"/>
-          <p:cNvSpPr/>
-          <p:nvPr/>
-        </p:nvSpPr>
-        <p:spPr>
-          <a:xfrm>
-            <a:off x="885263" y="873848"/>
-            <a:ext cx="9872384" cy="646331"/>
-          </a:xfrm>
-          <a:prstGeom prst="rect">
-            <a:avLst/>
-          </a:prstGeom>
-        </p:spPr>
-        <p:txBody>
-          <a:bodyPr wrap="square">
-            <a:spAutoFit/>
-          </a:bodyPr>
-          <a:lstStyle/>
-          <a:p>
-            <a:pPr marL="285750" indent="-285750">
-              <a:buFont typeface="Arial" panose="020B0604020202020204" pitchFamily="34" charset="0"/>
-              <a:buChar char="•"/>
-            </a:pPr>
-            <a:r>
-              <a:rPr lang="en-IN" dirty="0" smtClean="0"/>
-              <a:t>Discovering Glucose as the main variable effecting the diabetes – further analysis was done based on Pivot creation and Train/Test data creation   </a:t>
-            </a:r>
-            <a:endParaRPr lang="en-IN" dirty="0"/>
-          </a:p>
-        </p:txBody>
-      </p:sp>
       <p:pic>
         <p:nvPicPr>
-          <p:cNvPr id="9" name="Picture 8"/>
+          <p:cNvPr id="5" name="Picture 4"/>
           <p:cNvPicPr>
             <a:picLocks noChangeAspect="1"/>
           </p:cNvPicPr>
@@ -4636,48 +4585,18 @@
         </p:blipFill>
         <p:spPr>
           <a:xfrm>
-            <a:off x="3052482" y="5096434"/>
-            <a:ext cx="5916706" cy="1492623"/>
+            <a:off x="5947521" y="2860482"/>
+            <a:ext cx="5200091" cy="3002435"/>
           </a:xfrm>
           <a:prstGeom prst="rect">
             <a:avLst/>
           </a:prstGeom>
         </p:spPr>
       </p:pic>
-      <p:sp>
-        <p:nvSpPr>
-          <p:cNvPr id="10" name="TextBox 9"/>
-          <p:cNvSpPr txBox="1"/>
-          <p:nvPr/>
-        </p:nvSpPr>
-        <p:spPr>
-          <a:xfrm>
-            <a:off x="4303058" y="4475688"/>
-            <a:ext cx="3886200" cy="461665"/>
-          </a:xfrm>
-          <a:prstGeom prst="rect">
-            <a:avLst/>
-          </a:prstGeom>
-          <a:noFill/>
-        </p:spPr>
-        <p:txBody>
-          <a:bodyPr wrap="square" rtlCol="0">
-            <a:spAutoFit/>
-          </a:bodyPr>
-          <a:lstStyle/>
-          <a:p>
-            <a:r>
-              <a:rPr lang="en-IN" sz="2400" b="1" dirty="0" smtClean="0"/>
-              <a:t>Pivot preparation</a:t>
-            </a:r>
-            <a:endParaRPr lang="en-IN" sz="2400" b="1" dirty="0"/>
-          </a:p>
-        </p:txBody>
-      </p:sp>
     </p:spTree>
     <p:extLst>
       <p:ext uri="{BB962C8B-B14F-4D97-AF65-F5344CB8AC3E}">
-        <p14:creationId xmlns:p14="http://schemas.microsoft.com/office/powerpoint/2010/main" val="361041984"/>
+        <p14:creationId xmlns:p14="http://schemas.microsoft.com/office/powerpoint/2010/main" val="3932991001"/>
       </p:ext>
     </p:extLst>
   </p:cSld>
@@ -4719,8 +4638,8 @@
         </p:nvSpPr>
         <p:spPr>
           <a:xfrm>
-            <a:off x="1963270" y="350628"/>
-            <a:ext cx="7261411" cy="523220"/>
+            <a:off x="1183341" y="954741"/>
+            <a:ext cx="3294530" cy="369332"/>
           </a:xfrm>
           <a:prstGeom prst="rect">
             <a:avLst/>
@@ -4735,82 +4654,45 @@
           <a:p>
             <a:r>
               <a:rPr lang="en-IN" b="1" dirty="0" smtClean="0"/>
-              <a:t>			</a:t>
-            </a:r>
-            <a:r>
-              <a:rPr lang="en-IN" sz="2800" b="1" dirty="0" smtClean="0"/>
-              <a:t>Train/Test data</a:t>
-            </a:r>
-            <a:r>
-              <a:rPr lang="en-IN" sz="2800" b="1" dirty="0" smtClean="0"/>
-              <a:t> preparation</a:t>
-            </a:r>
-            <a:endParaRPr lang="en-IN" sz="2800" b="1" dirty="0"/>
-          </a:p>
-        </p:txBody>
-      </p:sp>
-      <p:sp>
-        <p:nvSpPr>
-          <p:cNvPr id="8" name="Rectangle 7"/>
-          <p:cNvSpPr/>
+              <a:t>Pivot on Train Data</a:t>
+            </a:r>
+            <a:endParaRPr lang="en-IN" b="1" dirty="0"/>
+          </a:p>
+        </p:txBody>
+      </p:sp>
+      <p:sp>
+        <p:nvSpPr>
+          <p:cNvPr id="7" name="TextBox 6"/>
+          <p:cNvSpPr txBox="1"/>
           <p:nvPr/>
         </p:nvSpPr>
         <p:spPr>
           <a:xfrm>
-            <a:off x="885263" y="873848"/>
-            <a:ext cx="9872384" cy="1200329"/>
+            <a:off x="7436223" y="954741"/>
+            <a:ext cx="3294530" cy="369332"/>
           </a:xfrm>
           <a:prstGeom prst="rect">
             <a:avLst/>
           </a:prstGeom>
-        </p:spPr>
-        <p:txBody>
-          <a:bodyPr wrap="square">
+          <a:noFill/>
+        </p:spPr>
+        <p:txBody>
+          <a:bodyPr wrap="square" rtlCol="0">
             <a:spAutoFit/>
           </a:bodyPr>
           <a:lstStyle/>
           <a:p>
-            <a:pPr marL="285750" indent="-285750">
-              <a:buFont typeface="Arial" panose="020B0604020202020204" pitchFamily="34" charset="0"/>
-              <a:buChar char="•"/>
-            </a:pPr>
-            <a:r>
-              <a:rPr lang="en-IN" dirty="0" smtClean="0"/>
-              <a:t>Out of Total 768 rows * 10 Columns records;</a:t>
-            </a:r>
-          </a:p>
-          <a:p>
-            <a:pPr marL="285750" indent="-285750">
-              <a:buFont typeface="Arial" panose="020B0604020202020204" pitchFamily="34" charset="0"/>
-              <a:buChar char="•"/>
-            </a:pPr>
-            <a:r>
-              <a:rPr lang="en-IN" dirty="0" smtClean="0"/>
-              <a:t>80% Train data : 614 rows * 10 Columns</a:t>
-            </a:r>
-          </a:p>
-          <a:p>
-            <a:pPr marL="285750" indent="-285750">
-              <a:buFont typeface="Arial" panose="020B0604020202020204" pitchFamily="34" charset="0"/>
-              <a:buChar char="•"/>
-            </a:pPr>
-            <a:r>
-              <a:rPr lang="en-IN" dirty="0" smtClean="0"/>
-              <a:t>20% Test data   :  154 rows* 10 Columns</a:t>
-            </a:r>
-          </a:p>
-          <a:p>
-            <a:pPr marL="285750" indent="-285750">
-              <a:buFont typeface="Arial" panose="020B0604020202020204" pitchFamily="34" charset="0"/>
-              <a:buChar char="•"/>
-            </a:pPr>
-            <a:endParaRPr lang="en-IN" dirty="0"/>
+            <a:r>
+              <a:rPr lang="en-IN" b="1" dirty="0" smtClean="0"/>
+              <a:t>Pivot on Test Data</a:t>
+            </a:r>
+            <a:endParaRPr lang="en-IN" b="1" dirty="0"/>
           </a:p>
         </p:txBody>
       </p:sp>
       <p:pic>
         <p:nvPicPr>
-          <p:cNvPr id="2" name="Picture 1"/>
+          <p:cNvPr id="3" name="Picture 2"/>
           <p:cNvPicPr>
             <a:picLocks noChangeAspect="1"/>
           </p:cNvPicPr>
@@ -4824,52 +4706,17 @@
         </p:blipFill>
         <p:spPr>
           <a:xfrm>
-            <a:off x="0" y="3095345"/>
-            <a:ext cx="6199095" cy="2657475"/>
+            <a:off x="1052791" y="1559978"/>
+            <a:ext cx="2658597" cy="1424873"/>
           </a:xfrm>
           <a:prstGeom prst="rect">
             <a:avLst/>
           </a:prstGeom>
         </p:spPr>
       </p:pic>
-      <p:sp>
-        <p:nvSpPr>
-          <p:cNvPr id="9" name="TextBox 8"/>
-          <p:cNvSpPr txBox="1"/>
-          <p:nvPr/>
-        </p:nvSpPr>
-        <p:spPr>
-          <a:xfrm>
-            <a:off x="1869142" y="2282664"/>
-            <a:ext cx="6710082" cy="369332"/>
-          </a:xfrm>
-          <a:prstGeom prst="rect">
-            <a:avLst/>
-          </a:prstGeom>
-          <a:noFill/>
-        </p:spPr>
-        <p:txBody>
-          <a:bodyPr wrap="square" rtlCol="0">
-            <a:spAutoFit/>
-          </a:bodyPr>
-          <a:lstStyle/>
-          <a:p>
-            <a:pPr algn="ctr"/>
-            <a:r>
-              <a:rPr lang="en-IN" b="1" dirty="0" smtClean="0"/>
-              <a:t>	</a:t>
-            </a:r>
-            <a:r>
-              <a:rPr lang="en-IN" b="1" dirty="0" smtClean="0"/>
-              <a:t>Plot Box</a:t>
-            </a:r>
-            <a:endParaRPr lang="en-IN" sz="2800" b="1" dirty="0"/>
-          </a:p>
-        </p:txBody>
-      </p:sp>
       <p:pic>
         <p:nvPicPr>
-          <p:cNvPr id="3" name="Picture 2"/>
+          <p:cNvPr id="8" name="Picture 7"/>
           <p:cNvPicPr>
             <a:picLocks noChangeAspect="1"/>
           </p:cNvPicPr>
@@ -4883,18 +4730,92 @@
         </p:blipFill>
         <p:spPr>
           <a:xfrm>
-            <a:off x="5947522" y="3095345"/>
-            <a:ext cx="4810125" cy="2581275"/>
+            <a:off x="7034210" y="1473215"/>
+            <a:ext cx="2876271" cy="1424873"/>
           </a:xfrm>
           <a:prstGeom prst="rect">
             <a:avLst/>
           </a:prstGeom>
         </p:spPr>
       </p:pic>
+      <p:sp>
+        <p:nvSpPr>
+          <p:cNvPr id="9" name="TextBox 8"/>
+          <p:cNvSpPr txBox="1"/>
+          <p:nvPr/>
+        </p:nvSpPr>
+        <p:spPr>
+          <a:xfrm>
+            <a:off x="1680882" y="3563471"/>
+            <a:ext cx="8592671" cy="2031325"/>
+          </a:xfrm>
+          <a:prstGeom prst="rect">
+            <a:avLst/>
+          </a:prstGeom>
+          <a:noFill/>
+        </p:spPr>
+        <p:txBody>
+          <a:bodyPr wrap="square" rtlCol="0">
+            <a:spAutoFit/>
+          </a:bodyPr>
+          <a:lstStyle/>
+          <a:p>
+            <a:pPr marL="285750" indent="-285750">
+              <a:buFontTx/>
+              <a:buChar char="-"/>
+            </a:pPr>
+            <a:r>
+              <a:rPr lang="en-IN" dirty="0" smtClean="0"/>
+              <a:t>As per the baseline data we analysed that Glucose is like to be the main reason for diabetes </a:t>
+            </a:r>
+          </a:p>
+          <a:p>
+            <a:pPr marL="285750" indent="-285750">
+              <a:buFontTx/>
+              <a:buChar char="-"/>
+            </a:pPr>
+            <a:r>
+              <a:rPr lang="en-IN" dirty="0" smtClean="0"/>
+              <a:t>Baseline data shows that 35% of  patient has diabetes and 65% doesn’t have diabetes in the sample set</a:t>
+            </a:r>
+          </a:p>
+          <a:p>
+            <a:pPr marL="285750" indent="-285750">
+              <a:buFontTx/>
+              <a:buChar char="-"/>
+            </a:pPr>
+            <a:r>
+              <a:rPr lang="en-IN" dirty="0" smtClean="0"/>
+              <a:t>Train data shows if the Glucose is &gt;125 then 64% chances of getting diabetes</a:t>
+            </a:r>
+          </a:p>
+          <a:p>
+            <a:pPr marL="285750" indent="-285750">
+              <a:buFontTx/>
+              <a:buChar char="-"/>
+            </a:pPr>
+            <a:r>
+              <a:rPr lang="en-IN" dirty="0" smtClean="0"/>
+              <a:t>Test data shows if the Glucose is &gt;125 then 70% chances of getting diabetes</a:t>
+            </a:r>
+          </a:p>
+          <a:p>
+            <a:pPr marL="285750" indent="-285750">
+              <a:buFontTx/>
+              <a:buChar char="-"/>
+            </a:pPr>
+            <a:r>
+              <a:rPr lang="en-IN" dirty="0" smtClean="0"/>
+              <a:t> Model is with accuracy  of 84% {(64-35)/35%}</a:t>
+            </a:r>
+            <a:endParaRPr lang="en-IN" dirty="0"/>
+          </a:p>
+        </p:txBody>
+      </p:sp>
     </p:spTree>
     <p:extLst>
       <p:ext uri="{BB962C8B-B14F-4D97-AF65-F5344CB8AC3E}">
-        <p14:creationId xmlns:p14="http://schemas.microsoft.com/office/powerpoint/2010/main" val="3932991001"/>
+        <p14:creationId xmlns:p14="http://schemas.microsoft.com/office/powerpoint/2010/main" val="503560354"/>
       </p:ext>
     </p:extLst>
   </p:cSld>
